--- a/psychometric_scale/stuff/instructionsSF36.pptx
+++ b/psychometric_scale/stuff/instructionsSF36.pptx
@@ -241,7 +241,7 @@
           <a:p>
             <a:fld id="{44A49107-9334-444B-909C-23B4DE8E069D}" type="datetimeFigureOut">
               <a:rPr lang="fr-FR" smtClean="0"/>
-              <a:t>15/04/2018</a:t>
+              <a:t>30/05/2018</a:t>
             </a:fld>
             <a:endParaRPr lang="fr-FR"/>
           </a:p>
@@ -283,7 +283,7 @@
           <a:p>
             <a:fld id="{8E474E87-316C-4201-83D8-6EEAD59357E5}" type="slidenum">
               <a:rPr lang="fr-FR" smtClean="0"/>
-              <a:t>‹N°›</a:t>
+              <a:t>‹#›</a:t>
             </a:fld>
             <a:endParaRPr lang="fr-FR"/>
           </a:p>
@@ -409,7 +409,7 @@
           <a:p>
             <a:fld id="{44A49107-9334-444B-909C-23B4DE8E069D}" type="datetimeFigureOut">
               <a:rPr lang="fr-FR" smtClean="0"/>
-              <a:t>15/04/2018</a:t>
+              <a:t>30/05/2018</a:t>
             </a:fld>
             <a:endParaRPr lang="fr-FR"/>
           </a:p>
@@ -451,7 +451,7 @@
           <a:p>
             <a:fld id="{8E474E87-316C-4201-83D8-6EEAD59357E5}" type="slidenum">
               <a:rPr lang="fr-FR" smtClean="0"/>
-              <a:t>‹N°›</a:t>
+              <a:t>‹#›</a:t>
             </a:fld>
             <a:endParaRPr lang="fr-FR"/>
           </a:p>
@@ -587,7 +587,7 @@
           <a:p>
             <a:fld id="{44A49107-9334-444B-909C-23B4DE8E069D}" type="datetimeFigureOut">
               <a:rPr lang="fr-FR" smtClean="0"/>
-              <a:t>15/04/2018</a:t>
+              <a:t>30/05/2018</a:t>
             </a:fld>
             <a:endParaRPr lang="fr-FR"/>
           </a:p>
@@ -629,7 +629,7 @@
           <a:p>
             <a:fld id="{8E474E87-316C-4201-83D8-6EEAD59357E5}" type="slidenum">
               <a:rPr lang="fr-FR" smtClean="0"/>
-              <a:t>‹N°›</a:t>
+              <a:t>‹#›</a:t>
             </a:fld>
             <a:endParaRPr lang="fr-FR"/>
           </a:p>
@@ -755,7 +755,7 @@
           <a:p>
             <a:fld id="{44A49107-9334-444B-909C-23B4DE8E069D}" type="datetimeFigureOut">
               <a:rPr lang="fr-FR" smtClean="0"/>
-              <a:t>15/04/2018</a:t>
+              <a:t>30/05/2018</a:t>
             </a:fld>
             <a:endParaRPr lang="fr-FR"/>
           </a:p>
@@ -797,7 +797,7 @@
           <a:p>
             <a:fld id="{8E474E87-316C-4201-83D8-6EEAD59357E5}" type="slidenum">
               <a:rPr lang="fr-FR" smtClean="0"/>
-              <a:t>‹N°›</a:t>
+              <a:t>‹#›</a:t>
             </a:fld>
             <a:endParaRPr lang="fr-FR"/>
           </a:p>
@@ -1000,7 +1000,7 @@
           <a:p>
             <a:fld id="{44A49107-9334-444B-909C-23B4DE8E069D}" type="datetimeFigureOut">
               <a:rPr lang="fr-FR" smtClean="0"/>
-              <a:t>15/04/2018</a:t>
+              <a:t>30/05/2018</a:t>
             </a:fld>
             <a:endParaRPr lang="fr-FR"/>
           </a:p>
@@ -1042,7 +1042,7 @@
           <a:p>
             <a:fld id="{8E474E87-316C-4201-83D8-6EEAD59357E5}" type="slidenum">
               <a:rPr lang="fr-FR" smtClean="0"/>
-              <a:t>‹N°›</a:t>
+              <a:t>‹#›</a:t>
             </a:fld>
             <a:endParaRPr lang="fr-FR"/>
           </a:p>
@@ -1229,7 +1229,7 @@
           <a:p>
             <a:fld id="{44A49107-9334-444B-909C-23B4DE8E069D}" type="datetimeFigureOut">
               <a:rPr lang="fr-FR" smtClean="0"/>
-              <a:t>15/04/2018</a:t>
+              <a:t>30/05/2018</a:t>
             </a:fld>
             <a:endParaRPr lang="fr-FR"/>
           </a:p>
@@ -1271,7 +1271,7 @@
           <a:p>
             <a:fld id="{8E474E87-316C-4201-83D8-6EEAD59357E5}" type="slidenum">
               <a:rPr lang="fr-FR" smtClean="0"/>
-              <a:t>‹N°›</a:t>
+              <a:t>‹#›</a:t>
             </a:fld>
             <a:endParaRPr lang="fr-FR"/>
           </a:p>
@@ -1593,7 +1593,7 @@
           <a:p>
             <a:fld id="{44A49107-9334-444B-909C-23B4DE8E069D}" type="datetimeFigureOut">
               <a:rPr lang="fr-FR" smtClean="0"/>
-              <a:t>15/04/2018</a:t>
+              <a:t>30/05/2018</a:t>
             </a:fld>
             <a:endParaRPr lang="fr-FR"/>
           </a:p>
@@ -1635,7 +1635,7 @@
           <a:p>
             <a:fld id="{8E474E87-316C-4201-83D8-6EEAD59357E5}" type="slidenum">
               <a:rPr lang="fr-FR" smtClean="0"/>
-              <a:t>‹N°›</a:t>
+              <a:t>‹#›</a:t>
             </a:fld>
             <a:endParaRPr lang="fr-FR"/>
           </a:p>
@@ -1710,7 +1710,7 @@
           <a:p>
             <a:fld id="{44A49107-9334-444B-909C-23B4DE8E069D}" type="datetimeFigureOut">
               <a:rPr lang="fr-FR" smtClean="0"/>
-              <a:t>15/04/2018</a:t>
+              <a:t>30/05/2018</a:t>
             </a:fld>
             <a:endParaRPr lang="fr-FR"/>
           </a:p>
@@ -1752,7 +1752,7 @@
           <a:p>
             <a:fld id="{8E474E87-316C-4201-83D8-6EEAD59357E5}" type="slidenum">
               <a:rPr lang="fr-FR" smtClean="0"/>
-              <a:t>‹N°›</a:t>
+              <a:t>‹#›</a:t>
             </a:fld>
             <a:endParaRPr lang="fr-FR"/>
           </a:p>
@@ -1805,7 +1805,7 @@
           <a:p>
             <a:fld id="{44A49107-9334-444B-909C-23B4DE8E069D}" type="datetimeFigureOut">
               <a:rPr lang="fr-FR" smtClean="0"/>
-              <a:t>15/04/2018</a:t>
+              <a:t>30/05/2018</a:t>
             </a:fld>
             <a:endParaRPr lang="fr-FR"/>
           </a:p>
@@ -1847,7 +1847,7 @@
           <a:p>
             <a:fld id="{8E474E87-316C-4201-83D8-6EEAD59357E5}" type="slidenum">
               <a:rPr lang="fr-FR" smtClean="0"/>
-              <a:t>‹N°›</a:t>
+              <a:t>‹#›</a:t>
             </a:fld>
             <a:endParaRPr lang="fr-FR"/>
           </a:p>
@@ -2080,7 +2080,7 @@
           <a:p>
             <a:fld id="{44A49107-9334-444B-909C-23B4DE8E069D}" type="datetimeFigureOut">
               <a:rPr lang="fr-FR" smtClean="0"/>
-              <a:t>15/04/2018</a:t>
+              <a:t>30/05/2018</a:t>
             </a:fld>
             <a:endParaRPr lang="fr-FR"/>
           </a:p>
@@ -2122,7 +2122,7 @@
           <a:p>
             <a:fld id="{8E474E87-316C-4201-83D8-6EEAD59357E5}" type="slidenum">
               <a:rPr lang="fr-FR" smtClean="0"/>
-              <a:t>‹N°›</a:t>
+              <a:t>‹#›</a:t>
             </a:fld>
             <a:endParaRPr lang="fr-FR"/>
           </a:p>
@@ -2332,7 +2332,7 @@
           <a:p>
             <a:fld id="{44A49107-9334-444B-909C-23B4DE8E069D}" type="datetimeFigureOut">
               <a:rPr lang="fr-FR" smtClean="0"/>
-              <a:t>15/04/2018</a:t>
+              <a:t>30/05/2018</a:t>
             </a:fld>
             <a:endParaRPr lang="fr-FR"/>
           </a:p>
@@ -2374,7 +2374,7 @@
           <a:p>
             <a:fld id="{8E474E87-316C-4201-83D8-6EEAD59357E5}" type="slidenum">
               <a:rPr lang="fr-FR" smtClean="0"/>
-              <a:t>‹N°›</a:t>
+              <a:t>‹#›</a:t>
             </a:fld>
             <a:endParaRPr lang="fr-FR"/>
           </a:p>
@@ -2543,7 +2543,7 @@
           <a:p>
             <a:fld id="{44A49107-9334-444B-909C-23B4DE8E069D}" type="datetimeFigureOut">
               <a:rPr lang="fr-FR" smtClean="0"/>
-              <a:t>15/04/2018</a:t>
+              <a:t>30/05/2018</a:t>
             </a:fld>
             <a:endParaRPr lang="fr-FR"/>
           </a:p>
@@ -2621,7 +2621,7 @@
           <a:p>
             <a:fld id="{8E474E87-316C-4201-83D8-6EEAD59357E5}" type="slidenum">
               <a:rPr lang="fr-FR" smtClean="0"/>
-              <a:t>‹N°›</a:t>
+              <a:t>‹#›</a:t>
             </a:fld>
             <a:endParaRPr lang="fr-FR"/>
           </a:p>
@@ -2964,8 +2964,8 @@
         </p:nvSpPr>
         <p:spPr>
           <a:xfrm>
-            <a:off x="367392" y="-233498"/>
-            <a:ext cx="11291207" cy="6740307"/>
+            <a:off x="180278" y="500437"/>
+            <a:ext cx="11831444" cy="5755422"/>
           </a:xfrm>
           <a:prstGeom prst="rect">
             <a:avLst/>
@@ -2979,7 +2979,29 @@
           <a:lstStyle/>
           <a:p>
             <a:pPr algn="ctr"/>
-            <a:endParaRPr lang="fr-FR" sz="2400" dirty="0">
+            <a:r>
+              <a:rPr lang="fr-FR" sz="3200" b="1" dirty="0">
+                <a:solidFill>
+                  <a:schemeClr val="bg1"/>
+                </a:solidFill>
+              </a:rPr>
+              <a:t>ÉCHELLE DE QUALITÉ DE VIE</a:t>
+            </a:r>
+          </a:p>
+          <a:p>
+            <a:pPr algn="ctr"/>
+            <a:r>
+              <a:rPr lang="fr-FR" sz="3200" b="1" dirty="0">
+                <a:solidFill>
+                  <a:schemeClr val="bg1"/>
+                </a:solidFill>
+              </a:rPr>
+              <a:t>(SF 36)</a:t>
+            </a:r>
+          </a:p>
+          <a:p>
+            <a:pPr algn="ctr"/>
+            <a:endParaRPr lang="fr-FR" sz="2800" dirty="0">
               <a:solidFill>
                 <a:schemeClr val="bg1"/>
               </a:solidFill>
@@ -2988,7 +3010,7 @@
           <a:p>
             <a:pPr algn="ctr"/>
             <a:r>
-              <a:rPr lang="fr-FR" sz="2400" dirty="0">
+              <a:rPr lang="fr-FR" sz="2300" dirty="0">
                 <a:solidFill>
                   <a:schemeClr val="bg1"/>
                 </a:solidFill>
@@ -2998,7 +3020,7 @@
           </a:p>
           <a:p>
             <a:pPr algn="ctr"/>
-            <a:endParaRPr lang="fr-FR" sz="2400" dirty="0">
+            <a:endParaRPr lang="fr-FR" sz="2300" dirty="0">
               <a:solidFill>
                 <a:schemeClr val="bg1"/>
               </a:solidFill>
@@ -3007,7 +3029,7 @@
           <a:p>
             <a:pPr algn="ctr"/>
             <a:r>
-              <a:rPr lang="fr-FR" sz="2400" dirty="0">
+              <a:rPr lang="fr-FR" sz="2300" dirty="0">
                 <a:solidFill>
                   <a:schemeClr val="bg1"/>
                 </a:solidFill>
@@ -3017,7 +3039,7 @@
           </a:p>
           <a:p>
             <a:pPr algn="ctr"/>
-            <a:endParaRPr lang="fr-FR" sz="2400" dirty="0">
+            <a:endParaRPr lang="fr-FR" sz="2300" dirty="0">
               <a:solidFill>
                 <a:schemeClr val="bg1"/>
               </a:solidFill>
@@ -3026,7 +3048,7 @@
           <a:p>
             <a:pPr algn="ctr"/>
             <a:r>
-              <a:rPr lang="fr-FR" sz="2400" dirty="0">
+              <a:rPr lang="fr-FR" sz="2300" dirty="0">
                 <a:solidFill>
                   <a:schemeClr val="bg1"/>
                 </a:solidFill>
@@ -3036,7 +3058,7 @@
           </a:p>
           <a:p>
             <a:pPr algn="ctr"/>
-            <a:endParaRPr lang="fr-FR" sz="2400" dirty="0">
+            <a:endParaRPr lang="fr-FR" sz="2300" dirty="0">
               <a:solidFill>
                 <a:schemeClr val="bg1"/>
               </a:solidFill>
@@ -3045,31 +3067,12 @@
           <a:p>
             <a:pPr algn="ctr"/>
             <a:r>
-              <a:rPr lang="fr-FR" sz="2400" dirty="0">
+              <a:rPr lang="fr-FR" sz="2300" dirty="0">
                 <a:solidFill>
                   <a:schemeClr val="bg1"/>
                 </a:solidFill>
               </a:rPr>
               <a:t>Si vous ne savez pas très bien répondre, choisissez la réponse la plus proche de votre situation.</a:t>
-            </a:r>
-          </a:p>
-          <a:p>
-            <a:pPr algn="ctr"/>
-            <a:endParaRPr lang="fr-FR" sz="2400" dirty="0">
-              <a:solidFill>
-                <a:schemeClr val="bg1"/>
-              </a:solidFill>
-            </a:endParaRPr>
-          </a:p>
-          <a:p>
-            <a:pPr algn="ctr"/>
-            <a:r>
-              <a:rPr lang="fr-FR" sz="2400" dirty="0">
-                <a:solidFill>
-                  <a:schemeClr val="bg1"/>
-                </a:solidFill>
-              </a:rPr>
-              <a:t>Nous vous remercions de votre précieuse coopération et pour le temps que vous avez consacré à remplir ce questionnaire.</a:t>
             </a:r>
           </a:p>
         </p:txBody>
